--- a/slides.pptx
+++ b/slides.pptx
@@ -7,8 +7,9 @@
   <p:sldIdLst>
     <p:sldId id="256" r:id="rId2"/>
     <p:sldId id="257" r:id="rId3"/>
-    <p:sldId id="258" r:id="rId4"/>
-    <p:sldId id="259" r:id="rId5"/>
+    <p:sldId id="259" r:id="rId4"/>
+    <p:sldId id="261" r:id="rId5"/>
+    <p:sldId id="260" r:id="rId6"/>
   </p:sldIdLst>
   <p:sldSz cx="9144000" cy="6858000" type="screen4x3"/>
   <p:notesSz cx="6858000" cy="9144000"/>
@@ -3405,10 +3406,10 @@
       </p:grpSpPr>
       <p:pic>
         <p:nvPicPr>
-          <p:cNvPr id="2" name="Obrázek 1">
+          <p:cNvPr id="8" name="Obrázek 7">
             <a:extLst>
               <a:ext uri="{FF2B5EF4-FFF2-40B4-BE49-F238E27FC236}">
-                <a16:creationId xmlns:a16="http://schemas.microsoft.com/office/drawing/2014/main" id="{3A45A22E-BE8E-5F30-43B3-AAADC9684293}"/>
+                <a16:creationId xmlns:a16="http://schemas.microsoft.com/office/drawing/2014/main" id="{B2FE5BA1-98EC-8468-BDF9-4C1F9C48B582}"/>
               </a:ext>
             </a:extLst>
           </p:cNvPr>
@@ -3417,91 +3418,16 @@
           </p:cNvPicPr>
           <p:nvPr/>
         </p:nvPicPr>
-        <p:blipFill rotWithShape="1">
-          <a:blip r:embed="rId2" cstate="print">
-            <a:extLst>
-              <a:ext uri="{28A0092B-C50C-407E-A947-70E740481C1C}">
-                <a14:useLocalDpi xmlns:a14="http://schemas.microsoft.com/office/drawing/2010/main" val="0"/>
-              </a:ext>
-            </a:extLst>
-          </a:blip>
-          <a:srcRect t="57838"/>
-          <a:stretch/>
+        <p:blipFill>
+          <a:blip r:embed="rId2"/>
+          <a:stretch>
+            <a:fillRect/>
+          </a:stretch>
         </p:blipFill>
         <p:spPr>
           <a:xfrm>
-            <a:off x="2345618" y="2824071"/>
-            <a:ext cx="4553527" cy="3917298"/>
-          </a:xfrm>
-          <a:prstGeom prst="rect">
-            <a:avLst/>
-          </a:prstGeom>
-        </p:spPr>
-      </p:pic>
-      <p:pic>
-        <p:nvPicPr>
-          <p:cNvPr id="3" name="Obrázek 2">
-            <a:extLst>
-              <a:ext uri="{FF2B5EF4-FFF2-40B4-BE49-F238E27FC236}">
-                <a16:creationId xmlns:a16="http://schemas.microsoft.com/office/drawing/2014/main" id="{B7D78371-7E11-E9B8-4F02-4A30C04E3B73}"/>
-              </a:ext>
-            </a:extLst>
-          </p:cNvPr>
-          <p:cNvPicPr>
-            <a:picLocks noChangeAspect="1"/>
-          </p:cNvPicPr>
-          <p:nvPr/>
-        </p:nvPicPr>
-        <p:blipFill rotWithShape="1">
-          <a:blip r:embed="rId2" cstate="print">
-            <a:extLst>
-              <a:ext uri="{28A0092B-C50C-407E-A947-70E740481C1C}">
-                <a14:useLocalDpi xmlns:a14="http://schemas.microsoft.com/office/drawing/2010/main" val="0"/>
-              </a:ext>
-            </a:extLst>
-          </a:blip>
-          <a:srcRect t="28135" b="45970"/>
-          <a:stretch/>
-        </p:blipFill>
-        <p:spPr>
-          <a:xfrm>
-            <a:off x="4622382" y="132518"/>
-            <a:ext cx="4937255" cy="2608651"/>
-          </a:xfrm>
-          <a:prstGeom prst="rect">
-            <a:avLst/>
-          </a:prstGeom>
-        </p:spPr>
-      </p:pic>
-      <p:pic>
-        <p:nvPicPr>
-          <p:cNvPr id="4" name="Obrázek 3">
-            <a:extLst>
-              <a:ext uri="{FF2B5EF4-FFF2-40B4-BE49-F238E27FC236}">
-                <a16:creationId xmlns:a16="http://schemas.microsoft.com/office/drawing/2014/main" id="{4D18FEA7-3CD8-046A-825B-F87813AA74C4}"/>
-              </a:ext>
-            </a:extLst>
-          </p:cNvPr>
-          <p:cNvPicPr>
-            <a:picLocks noChangeAspect="1"/>
-          </p:cNvPicPr>
-          <p:nvPr/>
-        </p:nvPicPr>
-        <p:blipFill rotWithShape="1">
-          <a:blip r:embed="rId2" cstate="print">
-            <a:extLst>
-              <a:ext uri="{28A0092B-C50C-407E-A947-70E740481C1C}">
-                <a14:useLocalDpi xmlns:a14="http://schemas.microsoft.com/office/drawing/2010/main" val="0"/>
-              </a:ext>
-            </a:extLst>
-          </a:blip>
-          <a:srcRect t="-1" b="75722"/>
-          <a:stretch/>
-        </p:blipFill>
-        <p:spPr>
-          <a:xfrm>
-            <a:off x="120073" y="187934"/>
-            <a:ext cx="4858327" cy="2515396"/>
+            <a:off x="0" y="974210"/>
+            <a:ext cx="9144000" cy="4909579"/>
           </a:xfrm>
           <a:prstGeom prst="rect">
             <a:avLst/>
@@ -3543,7 +3469,7 @@
           <p:cNvPr id="5" name="Obrázek 4">
             <a:extLst>
               <a:ext uri="{FF2B5EF4-FFF2-40B4-BE49-F238E27FC236}">
-                <a16:creationId xmlns:a16="http://schemas.microsoft.com/office/drawing/2014/main" id="{E477F58C-DD46-5E35-426D-AD11A8D6A1B4}"/>
+                <a16:creationId xmlns:a16="http://schemas.microsoft.com/office/drawing/2014/main" id="{9B394112-739D-31B7-E69A-A4CB17127BBA}"/>
               </a:ext>
             </a:extLst>
           </p:cNvPr>
@@ -3553,21 +3479,15 @@
           <p:nvPr/>
         </p:nvPicPr>
         <p:blipFill>
-          <a:blip r:embed="rId2" cstate="print">
-            <a:extLst>
-              <a:ext uri="{28A0092B-C50C-407E-A947-70E740481C1C}">
-                <a14:useLocalDpi xmlns:a14="http://schemas.microsoft.com/office/drawing/2010/main" val="0"/>
-              </a:ext>
-            </a:extLst>
-          </a:blip>
+          <a:blip r:embed="rId2"/>
           <a:stretch>
             <a:fillRect/>
           </a:stretch>
         </p:blipFill>
         <p:spPr>
           <a:xfrm>
-            <a:off x="634459" y="383137"/>
-            <a:ext cx="8074696" cy="5897590"/>
+            <a:off x="0" y="852656"/>
+            <a:ext cx="9144000" cy="5152688"/>
           </a:xfrm>
           <a:prstGeom prst="rect">
             <a:avLst/>
@@ -3577,7 +3497,7 @@
     </p:spTree>
     <p:extLst>
       <p:ext uri="{BB962C8B-B14F-4D97-AF65-F5344CB8AC3E}">
-        <p14:creationId xmlns:p14="http://schemas.microsoft.com/office/powerpoint/2010/main" val="444355209"/>
+        <p14:creationId xmlns:p14="http://schemas.microsoft.com/office/powerpoint/2010/main" val="793179379"/>
       </p:ext>
     </p:extLst>
   </p:cSld>
@@ -3588,6 +3508,66 @@
 </file>
 
 <file path=ppt/slides/slide4.xml><?xml version="1.0" encoding="utf-8"?>
+<p:sld xmlns:a="http://schemas.openxmlformats.org/drawingml/2006/main" xmlns:r="http://schemas.openxmlformats.org/officeDocument/2006/relationships" xmlns:p="http://schemas.openxmlformats.org/presentationml/2006/main">
+  <p:cSld>
+    <p:spTree>
+      <p:nvGrpSpPr>
+        <p:cNvPr id="1" name=""/>
+        <p:cNvGrpSpPr/>
+        <p:nvPr/>
+      </p:nvGrpSpPr>
+      <p:grpSpPr>
+        <a:xfrm>
+          <a:off x="0" y="0"/>
+          <a:ext cx="0" cy="0"/>
+          <a:chOff x="0" y="0"/>
+          <a:chExt cx="0" cy="0"/>
+        </a:xfrm>
+      </p:grpSpPr>
+      <p:pic>
+        <p:nvPicPr>
+          <p:cNvPr id="5" name="Obrázek 4">
+            <a:extLst>
+              <a:ext uri="{FF2B5EF4-FFF2-40B4-BE49-F238E27FC236}">
+                <a16:creationId xmlns:a16="http://schemas.microsoft.com/office/drawing/2014/main" id="{55D2D2DE-D233-CE42-9832-51B48F970B30}"/>
+              </a:ext>
+            </a:extLst>
+          </p:cNvPr>
+          <p:cNvPicPr>
+            <a:picLocks noChangeAspect="1"/>
+          </p:cNvPicPr>
+          <p:nvPr/>
+        </p:nvPicPr>
+        <p:blipFill>
+          <a:blip r:embed="rId2"/>
+          <a:stretch>
+            <a:fillRect/>
+          </a:stretch>
+        </p:blipFill>
+        <p:spPr>
+          <a:xfrm>
+            <a:off x="980731" y="0"/>
+            <a:ext cx="7182538" cy="6858000"/>
+          </a:xfrm>
+          <a:prstGeom prst="rect">
+            <a:avLst/>
+          </a:prstGeom>
+        </p:spPr>
+      </p:pic>
+    </p:spTree>
+    <p:extLst>
+      <p:ext uri="{BB962C8B-B14F-4D97-AF65-F5344CB8AC3E}">
+        <p14:creationId xmlns:p14="http://schemas.microsoft.com/office/powerpoint/2010/main" val="3528888901"/>
+      </p:ext>
+    </p:extLst>
+  </p:cSld>
+  <p:clrMapOvr>
+    <a:masterClrMapping/>
+  </p:clrMapOvr>
+</p:sld>
+</file>
+
+<file path=ppt/slides/slide5.xml><?xml version="1.0" encoding="utf-8"?>
 <p:sld xmlns:a="http://schemas.openxmlformats.org/drawingml/2006/main" xmlns:r="http://schemas.openxmlformats.org/officeDocument/2006/relationships" xmlns:p="http://schemas.openxmlformats.org/presentationml/2006/main">
   <p:cSld>
     <p:spTree>
@@ -3632,7 +3612,7 @@
         </p:blipFill>
         <p:spPr>
           <a:xfrm>
-            <a:off x="286819" y="944793"/>
+            <a:off x="342237" y="636342"/>
             <a:ext cx="8710673" cy="5585316"/>
           </a:xfrm>
           <a:prstGeom prst="rect">
@@ -3643,7 +3623,7 @@
     </p:spTree>
     <p:extLst>
       <p:ext uri="{BB962C8B-B14F-4D97-AF65-F5344CB8AC3E}">
-        <p14:creationId xmlns:p14="http://schemas.microsoft.com/office/powerpoint/2010/main" val="793179379"/>
+        <p14:creationId xmlns:p14="http://schemas.microsoft.com/office/powerpoint/2010/main" val="375247528"/>
       </p:ext>
     </p:extLst>
   </p:cSld>
